--- a/mech439_pybullet_example.pptx
+++ b/mech439_pybullet_example.pptx
@@ -5,37 +5,38 @@
     <p:sldMasterId id="2147483648" r:id="rId1"/>
   </p:sldMasterIdLst>
   <p:notesMasterIdLst>
-    <p:notesMasterId r:id="rId7"/>
+    <p:notesMasterId r:id="rId8"/>
   </p:notesMasterIdLst>
   <p:handoutMasterIdLst>
-    <p:handoutMasterId r:id="rId8"/>
+    <p:handoutMasterId r:id="rId9"/>
   </p:handoutMasterIdLst>
   <p:sldIdLst>
     <p:sldId id="256" r:id="rId2"/>
     <p:sldId id="334" r:id="rId3"/>
     <p:sldId id="340" r:id="rId4"/>
     <p:sldId id="341" r:id="rId5"/>
-    <p:sldId id="339" r:id="rId6"/>
+    <p:sldId id="343" r:id="rId6"/>
+    <p:sldId id="339" r:id="rId7"/>
   </p:sldIdLst>
   <p:sldSz cx="12192000" cy="6858000"/>
   <p:notesSz cx="6858000" cy="9144000"/>
   <p:embeddedFontLst>
     <p:embeddedFont>
       <p:font typeface="나눔스퀘어" panose="020B0600000101010101" pitchFamily="50" charset="-127"/>
-      <p:regular r:id="rId9"/>
+      <p:regular r:id="rId10"/>
     </p:embeddedFont>
     <p:embeddedFont>
       <p:font typeface="나눔스퀘어 Bold" panose="020B0600000101010101" pitchFamily="50" charset="-127"/>
-      <p:bold r:id="rId10"/>
+      <p:bold r:id="rId11"/>
     </p:embeddedFont>
     <p:embeddedFont>
       <p:font typeface="나눔스퀘어 ExtraBold" panose="020B0600000101010101" pitchFamily="50" charset="-127"/>
-      <p:bold r:id="rId11"/>
+      <p:bold r:id="rId12"/>
     </p:embeddedFont>
     <p:embeddedFont>
       <p:font typeface="맑은 고딕" panose="020B0503020000020004" pitchFamily="50" charset="-127"/>
-      <p:regular r:id="rId12"/>
-      <p:bold r:id="rId13"/>
+      <p:regular r:id="rId13"/>
+      <p:bold r:id="rId14"/>
     </p:embeddedFont>
   </p:embeddedFontLst>
   <p:defaultTextStyle>
@@ -1050,6 +1051,90 @@
             <a:fld id="{687F4DE4-F0F6-450A-AC5B-587401CDE67E}" type="slidenum">
               <a:rPr lang="ko-KR" altLang="en-US" smtClean="0"/>
               <a:t>5</a:t>
+            </a:fld>
+            <a:endParaRPr lang="ko-KR" altLang="en-US"/>
+          </a:p>
+        </p:txBody>
+      </p:sp>
+    </p:spTree>
+    <p:extLst>
+      <p:ext uri="{BB962C8B-B14F-4D97-AF65-F5344CB8AC3E}">
+        <p14:creationId xmlns:p14="http://schemas.microsoft.com/office/powerpoint/2010/main" val="1202834365"/>
+      </p:ext>
+    </p:extLst>
+  </p:cSld>
+  <p:clrMapOvr>
+    <a:masterClrMapping/>
+  </p:clrMapOvr>
+</p:notes>
+</file>
+
+<file path=ppt/notesSlides/notesSlide6.xml><?xml version="1.0" encoding="utf-8"?>
+<p:notes xmlns:a="http://schemas.openxmlformats.org/drawingml/2006/main" xmlns:r="http://schemas.openxmlformats.org/officeDocument/2006/relationships" xmlns:p="http://schemas.openxmlformats.org/presentationml/2006/main">
+  <p:cSld>
+    <p:spTree>
+      <p:nvGrpSpPr>
+        <p:cNvPr id="1" name=""/>
+        <p:cNvGrpSpPr/>
+        <p:nvPr/>
+      </p:nvGrpSpPr>
+      <p:grpSpPr>
+        <a:xfrm>
+          <a:off x="0" y="0"/>
+          <a:ext cx="0" cy="0"/>
+          <a:chOff x="0" y="0"/>
+          <a:chExt cx="0" cy="0"/>
+        </a:xfrm>
+      </p:grpSpPr>
+      <p:sp>
+        <p:nvSpPr>
+          <p:cNvPr id="2" name="슬라이드 이미지 개체 틀 1"/>
+          <p:cNvSpPr>
+            <a:spLocks noGrp="1" noRot="1" noChangeAspect="1"/>
+          </p:cNvSpPr>
+          <p:nvPr>
+            <p:ph type="sldImg"/>
+          </p:nvPr>
+        </p:nvSpPr>
+        <p:spPr/>
+      </p:sp>
+      <p:sp>
+        <p:nvSpPr>
+          <p:cNvPr id="3" name="슬라이드 노트 개체 틀 2"/>
+          <p:cNvSpPr>
+            <a:spLocks noGrp="1"/>
+          </p:cNvSpPr>
+          <p:nvPr>
+            <p:ph type="body" idx="1"/>
+          </p:nvPr>
+        </p:nvSpPr>
+        <p:spPr/>
+        <p:txBody>
+          <a:bodyPr/>
+          <a:lstStyle/>
+          <a:p>
+            <a:endParaRPr lang="en-US" altLang="ko-KR" dirty="0"/>
+          </a:p>
+        </p:txBody>
+      </p:sp>
+      <p:sp>
+        <p:nvSpPr>
+          <p:cNvPr id="4" name="슬라이드 번호 개체 틀 3"/>
+          <p:cNvSpPr>
+            <a:spLocks noGrp="1"/>
+          </p:cNvSpPr>
+          <p:nvPr>
+            <p:ph type="sldNum" sz="quarter" idx="5"/>
+          </p:nvPr>
+        </p:nvSpPr>
+        <p:spPr/>
+        <p:txBody>
+          <a:bodyPr/>
+          <a:lstStyle/>
+          <a:p>
+            <a:fld id="{687F4DE4-F0F6-450A-AC5B-587401CDE67E}" type="slidenum">
+              <a:rPr lang="ko-KR" altLang="en-US" smtClean="0"/>
+              <a:t>6</a:t>
             </a:fld>
             <a:endParaRPr lang="ko-KR" altLang="en-US"/>
           </a:p>
@@ -6282,17 +6367,17 @@
                 <a:latin typeface="나눔스퀘어 ExtraBold" panose="020B0600000101010101" pitchFamily="50" charset="-127"/>
                 <a:ea typeface="나눔스퀘어 ExtraBold" panose="020B0600000101010101" pitchFamily="50" charset="-127"/>
               </a:rPr>
-              <a:t>2. Code Implementation</a:t>
-            </a:r>
-          </a:p>
-        </p:txBody>
-      </p:sp>
-      <p:sp>
-        <p:nvSpPr>
-          <p:cNvPr id="7" name="TextBox 6">
-            <a:extLst>
-              <a:ext uri="{FF2B5EF4-FFF2-40B4-BE49-F238E27FC236}">
-                <a16:creationId xmlns:a16="http://schemas.microsoft.com/office/drawing/2014/main" id="{98965B6C-4EAD-4AC7-A3C1-FA39152BDFDC}"/>
+              <a:t>1. Installation</a:t>
+            </a:r>
+          </a:p>
+        </p:txBody>
+      </p:sp>
+      <p:sp>
+        <p:nvSpPr>
+          <p:cNvPr id="6" name="TextBox 5">
+            <a:extLst>
+              <a:ext uri="{FF2B5EF4-FFF2-40B4-BE49-F238E27FC236}">
+                <a16:creationId xmlns:a16="http://schemas.microsoft.com/office/drawing/2014/main" id="{4E09E407-957A-4A1B-9D85-66A67B24E77E}"/>
               </a:ext>
             </a:extLst>
           </p:cNvPr>
@@ -6323,66 +6408,17 @@
                 <a:latin typeface="나눔스퀘어 ExtraBold" panose="020B0600000101010101" pitchFamily="50" charset="-127"/>
                 <a:ea typeface="나눔스퀘어 ExtraBold" panose="020B0600000101010101" pitchFamily="50" charset="-127"/>
               </a:rPr>
-              <a:t>1) </a:t>
-            </a:r>
-            <a:r>
-              <a:rPr lang="en-US" altLang="ko-KR" dirty="0" err="1">
-                <a:solidFill>
-                  <a:prstClr val="black"/>
-                </a:solidFill>
-                <a:latin typeface="나눔스퀘어 ExtraBold" panose="020B0600000101010101" pitchFamily="50" charset="-127"/>
-                <a:ea typeface="나눔스퀘어 ExtraBold" panose="020B0600000101010101" pitchFamily="50" charset="-127"/>
-              </a:rPr>
-              <a:t>Jupyter</a:t>
-            </a:r>
-            <a:r>
-              <a:rPr lang="en-US" altLang="ko-KR" dirty="0">
-                <a:solidFill>
-                  <a:prstClr val="black"/>
-                </a:solidFill>
-                <a:latin typeface="나눔스퀘어 ExtraBold" panose="020B0600000101010101" pitchFamily="50" charset="-127"/>
-                <a:ea typeface="나눔스퀘어 ExtraBold" panose="020B0600000101010101" pitchFamily="50" charset="-127"/>
-              </a:rPr>
-              <a:t> notebook</a:t>
-            </a:r>
-          </a:p>
-        </p:txBody>
-      </p:sp>
-      <p:pic>
-        <p:nvPicPr>
-          <p:cNvPr id="8" name="그림 7">
-            <a:extLst>
-              <a:ext uri="{FF2B5EF4-FFF2-40B4-BE49-F238E27FC236}">
-                <a16:creationId xmlns:a16="http://schemas.microsoft.com/office/drawing/2014/main" id="{2EA256C2-5DEC-44BA-8BCF-1B576D27A299}"/>
-              </a:ext>
-            </a:extLst>
-          </p:cNvPr>
-          <p:cNvPicPr>
-            <a:picLocks noChangeAspect="1"/>
-          </p:cNvPicPr>
-          <p:nvPr/>
-        </p:nvPicPr>
-        <p:blipFill rotWithShape="1">
-          <a:blip r:embed="rId3"/>
-          <a:srcRect r="9255" b="31632"/>
-          <a:stretch/>
-        </p:blipFill>
-        <p:spPr>
-          <a:xfrm>
-            <a:off x="687501" y="2767444"/>
-            <a:ext cx="7424738" cy="2494110"/>
-          </a:xfrm>
-          <a:prstGeom prst="rect">
-            <a:avLst/>
-          </a:prstGeom>
-        </p:spPr>
-      </p:pic>
-      <p:sp>
-        <p:nvSpPr>
-          <p:cNvPr id="9" name="직사각형 8">
-            <a:extLst>
-              <a:ext uri="{FF2B5EF4-FFF2-40B4-BE49-F238E27FC236}">
-                <a16:creationId xmlns:a16="http://schemas.microsoft.com/office/drawing/2014/main" id="{4E05F183-D635-412A-B602-EAC388CBD16C}"/>
+              <a:t>2) Source Code</a:t>
+            </a:r>
+          </a:p>
+        </p:txBody>
+      </p:sp>
+      <p:sp>
+        <p:nvSpPr>
+          <p:cNvPr id="7" name="직사각형 6">
+            <a:extLst>
+              <a:ext uri="{FF2B5EF4-FFF2-40B4-BE49-F238E27FC236}">
+                <a16:creationId xmlns:a16="http://schemas.microsoft.com/office/drawing/2014/main" id="{B6C04EDA-1DB0-4D5E-B028-1DED9423823D}"/>
               </a:ext>
             </a:extLst>
           </p:cNvPr>
@@ -6418,42 +6454,32 @@
                 <a:latin typeface="나눔스퀘어" panose="020B0600000101010101" pitchFamily="50" charset="-127"/>
                 <a:ea typeface="나눔스퀘어" panose="020B0600000101010101" pitchFamily="50" charset="-127"/>
               </a:rPr>
-              <a:t>① Open </a:t>
-            </a:r>
-            <a:r>
-              <a:rPr lang="en-US" altLang="ko-KR" sz="1400" dirty="0" err="1">
+              <a:t>② Download source code from </a:t>
+            </a:r>
+            <a:r>
+              <a:rPr lang="en-US" altLang="ko-KR" sz="1400" dirty="0">
                 <a:latin typeface="나눔스퀘어" panose="020B0600000101010101" pitchFamily="50" charset="-127"/>
                 <a:ea typeface="나눔스퀘어" panose="020B0600000101010101" pitchFamily="50" charset="-127"/>
+                <a:hlinkClick r:id="rId3"/>
               </a:rPr>
-              <a:t>jupyter</a:t>
+              <a:t>https://github.com/0LYS0/mech439_pybullet_example</a:t>
             </a:r>
             <a:r>
               <a:rPr lang="en-US" altLang="ko-KR" sz="1400" dirty="0">
                 <a:latin typeface="나눔스퀘어" panose="020B0600000101010101" pitchFamily="50" charset="-127"/>
                 <a:ea typeface="나눔스퀘어" panose="020B0600000101010101" pitchFamily="50" charset="-127"/>
               </a:rPr>
-              <a:t> notebook in project directory, and open </a:t>
-            </a:r>
-            <a:r>
-              <a:rPr lang="en-US" altLang="ko-KR" sz="1400" i="1" dirty="0" err="1">
-                <a:latin typeface="나눔스퀘어" panose="020B0600000101010101" pitchFamily="50" charset="-127"/>
-                <a:ea typeface="나눔스퀘어" panose="020B0600000101010101" pitchFamily="50" charset="-127"/>
-              </a:rPr>
-              <a:t>ExampleCode.ipynb</a:t>
-            </a:r>
-            <a:endParaRPr lang="en-US" altLang="ko-KR" sz="1400" i="1" dirty="0">
-              <a:latin typeface="나눔스퀘어" panose="020B0600000101010101" pitchFamily="50" charset="-127"/>
-              <a:ea typeface="나눔스퀘어" panose="020B0600000101010101" pitchFamily="50" charset="-127"/>
-            </a:endParaRPr>
+              <a:t> </a:t>
+            </a:r>
           </a:p>
         </p:txBody>
       </p:sp>
       <p:pic>
         <p:nvPicPr>
-          <p:cNvPr id="10" name="그림 9">
-            <a:extLst>
-              <a:ext uri="{FF2B5EF4-FFF2-40B4-BE49-F238E27FC236}">
-                <a16:creationId xmlns:a16="http://schemas.microsoft.com/office/drawing/2014/main" id="{6F379B5E-480E-49CD-8F6F-8E56287B8022}"/>
+          <p:cNvPr id="2" name="그림 1">
+            <a:extLst>
+              <a:ext uri="{FF2B5EF4-FFF2-40B4-BE49-F238E27FC236}">
+                <a16:creationId xmlns:a16="http://schemas.microsoft.com/office/drawing/2014/main" id="{6C6E47A6-6CF0-4F92-A873-710FBDE2B306}"/>
               </a:ext>
             </a:extLst>
           </p:cNvPr>
@@ -6470,8 +6496,8 @@
         </p:blipFill>
         <p:spPr>
           <a:xfrm>
-            <a:off x="8996602" y="2985655"/>
-            <a:ext cx="2400635" cy="2057687"/>
+            <a:off x="3207514" y="2657933"/>
+            <a:ext cx="5776971" cy="3972846"/>
           </a:xfrm>
           <a:prstGeom prst="rect">
             <a:avLst/>
@@ -6480,10 +6506,10 @@
       </p:pic>
       <p:sp>
         <p:nvSpPr>
-          <p:cNvPr id="11" name="직사각형 10">
-            <a:extLst>
-              <a:ext uri="{FF2B5EF4-FFF2-40B4-BE49-F238E27FC236}">
-                <a16:creationId xmlns:a16="http://schemas.microsoft.com/office/drawing/2014/main" id="{0F4D22D7-020E-4D6B-89A6-0CA3DA3B2608}"/>
+          <p:cNvPr id="9" name="직사각형 8">
+            <a:extLst>
+              <a:ext uri="{FF2B5EF4-FFF2-40B4-BE49-F238E27FC236}">
+                <a16:creationId xmlns:a16="http://schemas.microsoft.com/office/drawing/2014/main" id="{8578B213-C817-483F-94A4-A38746AA4CE5}"/>
               </a:ext>
             </a:extLst>
           </p:cNvPr>
@@ -6492,8 +6518,8 @@
         </p:nvSpPr>
         <p:spPr>
           <a:xfrm>
-            <a:off x="9448800" y="3685881"/>
-            <a:ext cx="1628775" cy="298743"/>
+            <a:off x="3207513" y="2570659"/>
+            <a:ext cx="1902539" cy="369332"/>
           </a:xfrm>
           <a:prstGeom prst="rect">
             <a:avLst/>
@@ -6531,6 +6557,685 @@
           </a:p>
         </p:txBody>
       </p:sp>
+      <p:sp>
+        <p:nvSpPr>
+          <p:cNvPr id="10" name="직사각형 9">
+            <a:extLst>
+              <a:ext uri="{FF2B5EF4-FFF2-40B4-BE49-F238E27FC236}">
+                <a16:creationId xmlns:a16="http://schemas.microsoft.com/office/drawing/2014/main" id="{F81C49BA-A178-41C6-BC2B-D3E7E7A955AB}"/>
+              </a:ext>
+            </a:extLst>
+          </p:cNvPr>
+          <p:cNvSpPr/>
+          <p:nvPr/>
+        </p:nvSpPr>
+        <p:spPr>
+          <a:xfrm>
+            <a:off x="6452028" y="4155241"/>
+            <a:ext cx="2379151" cy="369332"/>
+          </a:xfrm>
+          <a:prstGeom prst="rect">
+            <a:avLst/>
+          </a:prstGeom>
+          <a:noFill/>
+          <a:ln w="38100">
+            <a:solidFill>
+              <a:srgbClr val="FF0000"/>
+            </a:solidFill>
+            <a:prstDash val="sysDash"/>
+          </a:ln>
+        </p:spPr>
+        <p:style>
+          <a:lnRef idx="2">
+            <a:schemeClr val="accent1">
+              <a:shade val="50000"/>
+            </a:schemeClr>
+          </a:lnRef>
+          <a:fillRef idx="1">
+            <a:schemeClr val="accent1"/>
+          </a:fillRef>
+          <a:effectRef idx="0">
+            <a:schemeClr val="accent1"/>
+          </a:effectRef>
+          <a:fontRef idx="minor">
+            <a:schemeClr val="lt1"/>
+          </a:fontRef>
+        </p:style>
+        <p:txBody>
+          <a:bodyPr rtlCol="0" anchor="ctr"/>
+          <a:lstStyle/>
+          <a:p>
+            <a:pPr algn="ctr"/>
+            <a:endParaRPr lang="ko-KR" altLang="en-US"/>
+          </a:p>
+        </p:txBody>
+      </p:sp>
+      <p:sp>
+        <p:nvSpPr>
+          <p:cNvPr id="12" name="직사각형 11">
+            <a:extLst>
+              <a:ext uri="{FF2B5EF4-FFF2-40B4-BE49-F238E27FC236}">
+                <a16:creationId xmlns:a16="http://schemas.microsoft.com/office/drawing/2014/main" id="{C2D6F2C5-D8C9-4B53-8659-0D3706EFB13D}"/>
+              </a:ext>
+            </a:extLst>
+          </p:cNvPr>
+          <p:cNvSpPr/>
+          <p:nvPr/>
+        </p:nvSpPr>
+        <p:spPr>
+          <a:xfrm>
+            <a:off x="6452028" y="5023678"/>
+            <a:ext cx="2379151" cy="369332"/>
+          </a:xfrm>
+          <a:prstGeom prst="rect">
+            <a:avLst/>
+          </a:prstGeom>
+          <a:noFill/>
+          <a:ln w="38100">
+            <a:solidFill>
+              <a:srgbClr val="FF0000"/>
+            </a:solidFill>
+            <a:prstDash val="sysDash"/>
+          </a:ln>
+        </p:spPr>
+        <p:style>
+          <a:lnRef idx="2">
+            <a:schemeClr val="accent1">
+              <a:shade val="50000"/>
+            </a:schemeClr>
+          </a:lnRef>
+          <a:fillRef idx="1">
+            <a:schemeClr val="accent1"/>
+          </a:fillRef>
+          <a:effectRef idx="0">
+            <a:schemeClr val="accent1"/>
+          </a:effectRef>
+          <a:fontRef idx="minor">
+            <a:schemeClr val="lt1"/>
+          </a:fontRef>
+        </p:style>
+        <p:txBody>
+          <a:bodyPr rtlCol="0" anchor="ctr"/>
+          <a:lstStyle/>
+          <a:p>
+            <a:pPr algn="ctr"/>
+            <a:endParaRPr lang="ko-KR" altLang="en-US"/>
+          </a:p>
+        </p:txBody>
+      </p:sp>
+      <p:sp>
+        <p:nvSpPr>
+          <p:cNvPr id="13" name="직사각형 12">
+            <a:extLst>
+              <a:ext uri="{FF2B5EF4-FFF2-40B4-BE49-F238E27FC236}">
+                <a16:creationId xmlns:a16="http://schemas.microsoft.com/office/drawing/2014/main" id="{95C8B08F-0296-492A-BCAA-BF595A3050ED}"/>
+              </a:ext>
+            </a:extLst>
+          </p:cNvPr>
+          <p:cNvSpPr/>
+          <p:nvPr/>
+        </p:nvSpPr>
+        <p:spPr>
+          <a:xfrm>
+            <a:off x="7054475" y="4529546"/>
+            <a:ext cx="3860019" cy="384401"/>
+          </a:xfrm>
+          <a:prstGeom prst="rect">
+            <a:avLst/>
+          </a:prstGeom>
+          <a:ln w="38100">
+            <a:noFill/>
+            <a:prstDash val="sysDash"/>
+          </a:ln>
+        </p:spPr>
+        <p:txBody>
+          <a:bodyPr wrap="square">
+            <a:spAutoFit/>
+          </a:bodyPr>
+          <a:lstStyle/>
+          <a:p>
+            <a:pPr algn="ctr">
+              <a:lnSpc>
+                <a:spcPct val="150000"/>
+              </a:lnSpc>
+            </a:pPr>
+            <a:r>
+              <a:rPr lang="en-US" altLang="ko-KR" sz="1400" dirty="0">
+                <a:solidFill>
+                  <a:srgbClr val="FF0000"/>
+                </a:solidFill>
+                <a:latin typeface="나눔스퀘어 ExtraBold" panose="020B0600000101010101" pitchFamily="50" charset="-127"/>
+                <a:ea typeface="나눔스퀘어 ExtraBold" panose="020B0600000101010101" pitchFamily="50" charset="-127"/>
+              </a:rPr>
+              <a:t>* download ZIP or clone repository</a:t>
+            </a:r>
+          </a:p>
+        </p:txBody>
+      </p:sp>
+      <p:sp>
+        <p:nvSpPr>
+          <p:cNvPr id="15" name="직사각형 14">
+            <a:extLst>
+              <a:ext uri="{FF2B5EF4-FFF2-40B4-BE49-F238E27FC236}">
+                <a16:creationId xmlns:a16="http://schemas.microsoft.com/office/drawing/2014/main" id="{05EBE7E3-D016-4900-A92D-A9BEEBB3CEB6}"/>
+              </a:ext>
+            </a:extLst>
+          </p:cNvPr>
+          <p:cNvSpPr/>
+          <p:nvPr/>
+        </p:nvSpPr>
+        <p:spPr>
+          <a:xfrm>
+            <a:off x="780869" y="1934989"/>
+            <a:ext cx="7087784" cy="384401"/>
+          </a:xfrm>
+          <a:prstGeom prst="rect">
+            <a:avLst/>
+          </a:prstGeom>
+          <a:ln w="38100">
+            <a:noFill/>
+            <a:prstDash val="sysDash"/>
+          </a:ln>
+        </p:spPr>
+        <p:txBody>
+          <a:bodyPr wrap="square">
+            <a:spAutoFit/>
+          </a:bodyPr>
+          <a:lstStyle/>
+          <a:p>
+            <a:pPr>
+              <a:lnSpc>
+                <a:spcPct val="150000"/>
+              </a:lnSpc>
+            </a:pPr>
+            <a:r>
+              <a:rPr lang="en-US" altLang="ko-KR" sz="1400" dirty="0">
+                <a:solidFill>
+                  <a:srgbClr val="FF0000"/>
+                </a:solidFill>
+                <a:latin typeface="나눔스퀘어 ExtraBold" panose="020B0600000101010101" pitchFamily="50" charset="-127"/>
+                <a:ea typeface="나눔스퀘어 ExtraBold" panose="020B0600000101010101" pitchFamily="50" charset="-127"/>
+              </a:rPr>
+              <a:t>* Place the folder in a path without special characters (ex. Korean).</a:t>
+            </a:r>
+          </a:p>
+        </p:txBody>
+      </p:sp>
+    </p:spTree>
+    <p:extLst>
+      <p:ext uri="{BB962C8B-B14F-4D97-AF65-F5344CB8AC3E}">
+        <p14:creationId xmlns:p14="http://schemas.microsoft.com/office/powerpoint/2010/main" val="3078985532"/>
+      </p:ext>
+    </p:extLst>
+  </p:cSld>
+  <p:clrMapOvr>
+    <a:masterClrMapping/>
+  </p:clrMapOvr>
+</p:sld>
+</file>
+
+<file path=ppt/slides/slide6.xml><?xml version="1.0" encoding="utf-8"?>
+<p:sld xmlns:a="http://schemas.openxmlformats.org/drawingml/2006/main" xmlns:r="http://schemas.openxmlformats.org/officeDocument/2006/relationships" xmlns:p="http://schemas.openxmlformats.org/presentationml/2006/main">
+  <p:cSld>
+    <p:spTree>
+      <p:nvGrpSpPr>
+        <p:cNvPr id="1" name=""/>
+        <p:cNvGrpSpPr/>
+        <p:nvPr/>
+      </p:nvGrpSpPr>
+      <p:grpSpPr>
+        <a:xfrm>
+          <a:off x="0" y="0"/>
+          <a:ext cx="0" cy="0"/>
+          <a:chOff x="0" y="0"/>
+          <a:chExt cx="0" cy="0"/>
+        </a:xfrm>
+      </p:grpSpPr>
+      <p:pic>
+        <p:nvPicPr>
+          <p:cNvPr id="6" name="그림 5">
+            <a:extLst>
+              <a:ext uri="{FF2B5EF4-FFF2-40B4-BE49-F238E27FC236}">
+                <a16:creationId xmlns:a16="http://schemas.microsoft.com/office/drawing/2014/main" id="{D2D91C90-24E7-468F-A191-DF8EA2197007}"/>
+              </a:ext>
+            </a:extLst>
+          </p:cNvPr>
+          <p:cNvPicPr>
+            <a:picLocks noChangeAspect="1"/>
+          </p:cNvPicPr>
+          <p:nvPr/>
+        </p:nvPicPr>
+        <p:blipFill>
+          <a:blip r:embed="rId3"/>
+          <a:stretch>
+            <a:fillRect/>
+          </a:stretch>
+        </p:blipFill>
+        <p:spPr>
+          <a:xfrm>
+            <a:off x="8920391" y="3009993"/>
+            <a:ext cx="2476846" cy="1867161"/>
+          </a:xfrm>
+          <a:prstGeom prst="rect">
+            <a:avLst/>
+          </a:prstGeom>
+        </p:spPr>
+      </p:pic>
+      <p:sp>
+        <p:nvSpPr>
+          <p:cNvPr id="4" name="슬라이드 번호 개체 틀 1">
+            <a:extLst>
+              <a:ext uri="{FF2B5EF4-FFF2-40B4-BE49-F238E27FC236}">
+                <a16:creationId xmlns:a16="http://schemas.microsoft.com/office/drawing/2014/main" id="{308BD0A2-55C4-4B35-BD52-0CFE1A5CE106}"/>
+              </a:ext>
+            </a:extLst>
+          </p:cNvPr>
+          <p:cNvSpPr>
+            <a:spLocks noGrp="1"/>
+          </p:cNvSpPr>
+          <p:nvPr>
+            <p:ph type="sldNum" sz="quarter" idx="12"/>
+          </p:nvPr>
+        </p:nvSpPr>
+        <p:spPr>
+          <a:xfrm>
+            <a:off x="9448800" y="6492875"/>
+            <a:ext cx="2743200" cy="365125"/>
+          </a:xfrm>
+        </p:spPr>
+        <p:txBody>
+          <a:bodyPr/>
+          <a:lstStyle/>
+          <a:p>
+            <a:fld id="{9946D8A4-261D-4F24-BBEA-490A8FB4DFB9}" type="slidenum">
+              <a:rPr lang="ko-KR" altLang="en-US" smtClean="0"/>
+              <a:t>6</a:t>
+            </a:fld>
+            <a:endParaRPr lang="ko-KR" altLang="en-US" dirty="0"/>
+          </a:p>
+        </p:txBody>
+      </p:sp>
+      <p:sp>
+        <p:nvSpPr>
+          <p:cNvPr id="5" name="제목 4">
+            <a:extLst>
+              <a:ext uri="{FF2B5EF4-FFF2-40B4-BE49-F238E27FC236}">
+                <a16:creationId xmlns:a16="http://schemas.microsoft.com/office/drawing/2014/main" id="{F68C0275-0DEB-4547-9809-C3379B27B83F}"/>
+              </a:ext>
+            </a:extLst>
+          </p:cNvPr>
+          <p:cNvSpPr txBox="1">
+            <a:spLocks/>
+          </p:cNvSpPr>
+          <p:nvPr/>
+        </p:nvSpPr>
+        <p:spPr>
+          <a:xfrm>
+            <a:off x="383828" y="347238"/>
+            <a:ext cx="11560522" cy="830392"/>
+          </a:xfrm>
+          <a:prstGeom prst="rect">
+            <a:avLst/>
+          </a:prstGeom>
+        </p:spPr>
+        <p:txBody>
+          <a:bodyPr>
+            <a:noAutofit/>
+          </a:bodyPr>
+          <a:lstStyle>
+            <a:lvl1pPr algn="l" defTabSz="914400" rtl="0" eaLnBrk="1" latinLnBrk="1" hangingPunct="1">
+              <a:lnSpc>
+                <a:spcPct val="90000"/>
+              </a:lnSpc>
+              <a:spcBef>
+                <a:spcPct val="0"/>
+              </a:spcBef>
+              <a:buNone/>
+              <a:defRPr sz="4400" kern="1200">
+                <a:solidFill>
+                  <a:schemeClr val="tx1"/>
+                </a:solidFill>
+                <a:latin typeface="+mj-lt"/>
+                <a:ea typeface="+mj-ea"/>
+                <a:cs typeface="+mj-cs"/>
+              </a:defRPr>
+            </a:lvl1pPr>
+          </a:lstStyle>
+          <a:p>
+            <a:pPr lvl="0">
+              <a:defRPr/>
+            </a:pPr>
+            <a:r>
+              <a:rPr lang="en-US" altLang="ko-KR" dirty="0">
+                <a:solidFill>
+                  <a:prstClr val="black"/>
+                </a:solidFill>
+                <a:latin typeface="나눔스퀘어 ExtraBold" panose="020B0600000101010101" pitchFamily="50" charset="-127"/>
+                <a:ea typeface="나눔스퀘어 ExtraBold" panose="020B0600000101010101" pitchFamily="50" charset="-127"/>
+              </a:rPr>
+              <a:t>2. Run example code</a:t>
+            </a:r>
+          </a:p>
+        </p:txBody>
+      </p:sp>
+      <p:sp>
+        <p:nvSpPr>
+          <p:cNvPr id="7" name="TextBox 6">
+            <a:extLst>
+              <a:ext uri="{FF2B5EF4-FFF2-40B4-BE49-F238E27FC236}">
+                <a16:creationId xmlns:a16="http://schemas.microsoft.com/office/drawing/2014/main" id="{98965B6C-4EAD-4AC7-A3C1-FA39152BDFDC}"/>
+              </a:ext>
+            </a:extLst>
+          </p:cNvPr>
+          <p:cNvSpPr txBox="1"/>
+          <p:nvPr/>
+        </p:nvSpPr>
+        <p:spPr>
+          <a:xfrm>
+            <a:off x="383828" y="1183885"/>
+            <a:ext cx="11022934" cy="369332"/>
+          </a:xfrm>
+          <a:prstGeom prst="rect">
+            <a:avLst/>
+          </a:prstGeom>
+          <a:noFill/>
+        </p:spPr>
+        <p:txBody>
+          <a:bodyPr wrap="square">
+            <a:spAutoFit/>
+          </a:bodyPr>
+          <a:lstStyle/>
+          <a:p>
+            <a:r>
+              <a:rPr lang="en-US" altLang="ko-KR" dirty="0">
+                <a:solidFill>
+                  <a:prstClr val="black"/>
+                </a:solidFill>
+                <a:latin typeface="나눔스퀘어 ExtraBold" panose="020B0600000101010101" pitchFamily="50" charset="-127"/>
+                <a:ea typeface="나눔스퀘어 ExtraBold" panose="020B0600000101010101" pitchFamily="50" charset="-127"/>
+              </a:rPr>
+              <a:t>1) </a:t>
+            </a:r>
+            <a:r>
+              <a:rPr lang="en-US" altLang="ko-KR" dirty="0" err="1">
+                <a:solidFill>
+                  <a:prstClr val="black"/>
+                </a:solidFill>
+                <a:latin typeface="나눔스퀘어 ExtraBold" panose="020B0600000101010101" pitchFamily="50" charset="-127"/>
+                <a:ea typeface="나눔스퀘어 ExtraBold" panose="020B0600000101010101" pitchFamily="50" charset="-127"/>
+              </a:rPr>
+              <a:t>Jupyter</a:t>
+            </a:r>
+            <a:r>
+              <a:rPr lang="en-US" altLang="ko-KR" dirty="0">
+                <a:solidFill>
+                  <a:prstClr val="black"/>
+                </a:solidFill>
+                <a:latin typeface="나눔스퀘어 ExtraBold" panose="020B0600000101010101" pitchFamily="50" charset="-127"/>
+                <a:ea typeface="나눔스퀘어 ExtraBold" panose="020B0600000101010101" pitchFamily="50" charset="-127"/>
+              </a:rPr>
+              <a:t> notebook</a:t>
+            </a:r>
+          </a:p>
+        </p:txBody>
+      </p:sp>
+      <p:sp>
+        <p:nvSpPr>
+          <p:cNvPr id="9" name="직사각형 8">
+            <a:extLst>
+              <a:ext uri="{FF2B5EF4-FFF2-40B4-BE49-F238E27FC236}">
+                <a16:creationId xmlns:a16="http://schemas.microsoft.com/office/drawing/2014/main" id="{4E05F183-D635-412A-B602-EAC388CBD16C}"/>
+              </a:ext>
+            </a:extLst>
+          </p:cNvPr>
+          <p:cNvSpPr/>
+          <p:nvPr/>
+        </p:nvSpPr>
+        <p:spPr>
+          <a:xfrm>
+            <a:off x="383828" y="1596446"/>
+            <a:ext cx="10782187" cy="384401"/>
+          </a:xfrm>
+          <a:prstGeom prst="rect">
+            <a:avLst/>
+          </a:prstGeom>
+          <a:ln w="38100">
+            <a:noFill/>
+            <a:prstDash val="sysDash"/>
+          </a:ln>
+        </p:spPr>
+        <p:txBody>
+          <a:bodyPr wrap="square">
+            <a:spAutoFit/>
+          </a:bodyPr>
+          <a:lstStyle/>
+          <a:p>
+            <a:pPr>
+              <a:lnSpc>
+                <a:spcPct val="150000"/>
+              </a:lnSpc>
+            </a:pPr>
+            <a:r>
+              <a:rPr lang="en-US" altLang="ko-KR" sz="1400" dirty="0">
+                <a:latin typeface="나눔스퀘어" panose="020B0600000101010101" pitchFamily="50" charset="-127"/>
+                <a:ea typeface="나눔스퀘어" panose="020B0600000101010101" pitchFamily="50" charset="-127"/>
+              </a:rPr>
+              <a:t>① Open </a:t>
+            </a:r>
+            <a:r>
+              <a:rPr lang="en-US" altLang="ko-KR" sz="1400" dirty="0" err="1">
+                <a:latin typeface="나눔스퀘어" panose="020B0600000101010101" pitchFamily="50" charset="-127"/>
+                <a:ea typeface="나눔스퀘어" panose="020B0600000101010101" pitchFamily="50" charset="-127"/>
+              </a:rPr>
+              <a:t>jupyter</a:t>
+            </a:r>
+            <a:r>
+              <a:rPr lang="en-US" altLang="ko-KR" sz="1400" dirty="0">
+                <a:latin typeface="나눔스퀘어" panose="020B0600000101010101" pitchFamily="50" charset="-127"/>
+                <a:ea typeface="나눔스퀘어" panose="020B0600000101010101" pitchFamily="50" charset="-127"/>
+              </a:rPr>
+              <a:t> notebook in project directory, and open </a:t>
+            </a:r>
+            <a:r>
+              <a:rPr lang="en-US" altLang="ko-KR" sz="1400" i="1" dirty="0" err="1">
+                <a:latin typeface="나눔스퀘어" panose="020B0600000101010101" pitchFamily="50" charset="-127"/>
+                <a:ea typeface="나눔스퀘어" panose="020B0600000101010101" pitchFamily="50" charset="-127"/>
+              </a:rPr>
+              <a:t>ExampleCode.ipynb</a:t>
+            </a:r>
+            <a:endParaRPr lang="en-US" altLang="ko-KR" sz="1400" i="1" dirty="0">
+              <a:latin typeface="나눔스퀘어" panose="020B0600000101010101" pitchFamily="50" charset="-127"/>
+              <a:ea typeface="나눔스퀘어" panose="020B0600000101010101" pitchFamily="50" charset="-127"/>
+            </a:endParaRPr>
+          </a:p>
+        </p:txBody>
+      </p:sp>
+      <p:sp>
+        <p:nvSpPr>
+          <p:cNvPr id="11" name="직사각형 10">
+            <a:extLst>
+              <a:ext uri="{FF2B5EF4-FFF2-40B4-BE49-F238E27FC236}">
+                <a16:creationId xmlns:a16="http://schemas.microsoft.com/office/drawing/2014/main" id="{0F4D22D7-020E-4D6B-89A6-0CA3DA3B2608}"/>
+              </a:ext>
+            </a:extLst>
+          </p:cNvPr>
+          <p:cNvSpPr/>
+          <p:nvPr/>
+        </p:nvSpPr>
+        <p:spPr>
+          <a:xfrm>
+            <a:off x="8920391" y="3786430"/>
+            <a:ext cx="1657989" cy="298743"/>
+          </a:xfrm>
+          <a:prstGeom prst="rect">
+            <a:avLst/>
+          </a:prstGeom>
+          <a:noFill/>
+          <a:ln w="38100">
+            <a:solidFill>
+              <a:srgbClr val="FF0000"/>
+            </a:solidFill>
+            <a:prstDash val="sysDash"/>
+          </a:ln>
+        </p:spPr>
+        <p:style>
+          <a:lnRef idx="2">
+            <a:schemeClr val="accent1">
+              <a:shade val="50000"/>
+            </a:schemeClr>
+          </a:lnRef>
+          <a:fillRef idx="1">
+            <a:schemeClr val="accent1"/>
+          </a:fillRef>
+          <a:effectRef idx="0">
+            <a:schemeClr val="accent1"/>
+          </a:effectRef>
+          <a:fontRef idx="minor">
+            <a:schemeClr val="lt1"/>
+          </a:fontRef>
+        </p:style>
+        <p:txBody>
+          <a:bodyPr rtlCol="0" anchor="ctr"/>
+          <a:lstStyle/>
+          <a:p>
+            <a:pPr algn="ctr"/>
+            <a:endParaRPr lang="ko-KR" altLang="en-US"/>
+          </a:p>
+        </p:txBody>
+      </p:sp>
+      <p:sp>
+        <p:nvSpPr>
+          <p:cNvPr id="12" name="사각형: 둥근 모서리 11">
+            <a:extLst>
+              <a:ext uri="{FF2B5EF4-FFF2-40B4-BE49-F238E27FC236}">
+                <a16:creationId xmlns:a16="http://schemas.microsoft.com/office/drawing/2014/main" id="{7FA32DEB-6E76-4E3F-A2FF-BCB267F1F53B}"/>
+              </a:ext>
+            </a:extLst>
+          </p:cNvPr>
+          <p:cNvSpPr/>
+          <p:nvPr/>
+        </p:nvSpPr>
+        <p:spPr>
+          <a:xfrm>
+            <a:off x="794763" y="5674115"/>
+            <a:ext cx="6315900" cy="794335"/>
+          </a:xfrm>
+          <a:prstGeom prst="roundRect">
+            <a:avLst/>
+          </a:prstGeom>
+          <a:solidFill>
+            <a:schemeClr val="bg1">
+              <a:lumMod val="95000"/>
+            </a:schemeClr>
+          </a:solidFill>
+          <a:ln w="28575">
+            <a:solidFill>
+              <a:schemeClr val="tx1"/>
+            </a:solidFill>
+          </a:ln>
+        </p:spPr>
+        <p:style>
+          <a:lnRef idx="2">
+            <a:schemeClr val="accent1">
+              <a:shade val="50000"/>
+            </a:schemeClr>
+          </a:lnRef>
+          <a:fillRef idx="1">
+            <a:schemeClr val="accent1"/>
+          </a:fillRef>
+          <a:effectRef idx="0">
+            <a:schemeClr val="accent1"/>
+          </a:effectRef>
+          <a:fontRef idx="minor">
+            <a:schemeClr val="lt1"/>
+          </a:fontRef>
+        </p:style>
+        <p:txBody>
+          <a:bodyPr rtlCol="0" anchor="ctr"/>
+          <a:lstStyle/>
+          <a:p>
+            <a:r>
+              <a:rPr lang="en-US" altLang="ko-KR" sz="1400" dirty="0">
+                <a:solidFill>
+                  <a:schemeClr val="tx1"/>
+                </a:solidFill>
+                <a:latin typeface="나눔스퀘어" panose="020B0600000101010101" pitchFamily="50" charset="-127"/>
+                <a:ea typeface="나눔스퀘어" panose="020B0600000101010101" pitchFamily="50" charset="-127"/>
+              </a:rPr>
+              <a:t>&gt;cd [YOUR PATH]</a:t>
+            </a:r>
+          </a:p>
+          <a:p>
+            <a:r>
+              <a:rPr lang="en-US" altLang="ko-KR" sz="1400" dirty="0">
+                <a:solidFill>
+                  <a:schemeClr val="tx1"/>
+                </a:solidFill>
+                <a:latin typeface="나눔스퀘어" panose="020B0600000101010101" pitchFamily="50" charset="-127"/>
+                <a:ea typeface="나눔스퀘어" panose="020B0600000101010101" pitchFamily="50" charset="-127"/>
+              </a:rPr>
+              <a:t>&gt; </a:t>
+            </a:r>
+            <a:r>
+              <a:rPr lang="en-US" altLang="ko-KR" sz="1400" dirty="0" err="1">
+                <a:solidFill>
+                  <a:schemeClr val="tx1"/>
+                </a:solidFill>
+                <a:latin typeface="나눔스퀘어" panose="020B0600000101010101" pitchFamily="50" charset="-127"/>
+                <a:ea typeface="나눔스퀘어" panose="020B0600000101010101" pitchFamily="50" charset="-127"/>
+              </a:rPr>
+              <a:t>jupyter</a:t>
+            </a:r>
+            <a:r>
+              <a:rPr lang="en-US" altLang="ko-KR" sz="1400" dirty="0">
+                <a:solidFill>
+                  <a:schemeClr val="tx1"/>
+                </a:solidFill>
+                <a:latin typeface="나눔스퀘어" panose="020B0600000101010101" pitchFamily="50" charset="-127"/>
+                <a:ea typeface="나눔스퀘어" panose="020B0600000101010101" pitchFamily="50" charset="-127"/>
+              </a:rPr>
+              <a:t> notebook</a:t>
+            </a:r>
+            <a:endParaRPr lang="ko-KR" altLang="en-US" sz="1400" dirty="0">
+              <a:solidFill>
+                <a:schemeClr val="tx1"/>
+              </a:solidFill>
+              <a:latin typeface="나눔스퀘어" panose="020B0600000101010101" pitchFamily="50" charset="-127"/>
+              <a:ea typeface="나눔스퀘어" panose="020B0600000101010101" pitchFamily="50" charset="-127"/>
+            </a:endParaRPr>
+          </a:p>
+        </p:txBody>
+      </p:sp>
+      <p:pic>
+        <p:nvPicPr>
+          <p:cNvPr id="3" name="그림 2">
+            <a:extLst>
+              <a:ext uri="{FF2B5EF4-FFF2-40B4-BE49-F238E27FC236}">
+                <a16:creationId xmlns:a16="http://schemas.microsoft.com/office/drawing/2014/main" id="{486C6B8A-74AF-4607-91F7-3097E7D35949}"/>
+              </a:ext>
+            </a:extLst>
+          </p:cNvPr>
+          <p:cNvPicPr>
+            <a:picLocks noChangeAspect="1"/>
+          </p:cNvPicPr>
+          <p:nvPr/>
+        </p:nvPicPr>
+        <p:blipFill>
+          <a:blip r:embed="rId4"/>
+          <a:stretch>
+            <a:fillRect/>
+          </a:stretch>
+        </p:blipFill>
+        <p:spPr>
+          <a:xfrm>
+            <a:off x="794763" y="2487465"/>
+            <a:ext cx="7343775" cy="2695575"/>
+          </a:xfrm>
+          <a:prstGeom prst="rect">
+            <a:avLst/>
+          </a:prstGeom>
+        </p:spPr>
+      </p:pic>
     </p:spTree>
     <p:extLst>
       <p:ext uri="{BB962C8B-B14F-4D97-AF65-F5344CB8AC3E}">
